--- a/Final Presentation.pptx
+++ b/Final Presentation.pptx
@@ -5,12 +5,15 @@
     <p:sldMasterId id="2147483648" r:id="rId1"/>
   </p:sldMasterIdLst>
   <p:notesMasterIdLst>
-    <p:notesMasterId r:id="rId5"/>
+    <p:notesMasterId r:id="rId8"/>
   </p:notesMasterIdLst>
   <p:sldIdLst>
     <p:sldId id="258" r:id="rId2"/>
     <p:sldId id="257" r:id="rId3"/>
-    <p:sldId id="259" r:id="rId4"/>
+    <p:sldId id="260" r:id="rId4"/>
+    <p:sldId id="262" r:id="rId5"/>
+    <p:sldId id="261" r:id="rId6"/>
+    <p:sldId id="259" r:id="rId7"/>
   </p:sldIdLst>
   <p:sldSz cx="12192000" cy="6858000"/>
   <p:notesSz cx="6858000" cy="9144000"/>
@@ -3788,6 +3791,534 @@
 </file>
 
 <file path=ppt/slides/slide3.xml><?xml version="1.0" encoding="utf-8"?>
+<p:sld xmlns:a="http://schemas.openxmlformats.org/drawingml/2006/main" xmlns:r="http://schemas.openxmlformats.org/officeDocument/2006/relationships" xmlns:p="http://schemas.openxmlformats.org/presentationml/2006/main">
+  <p:cSld>
+    <p:spTree>
+      <p:nvGrpSpPr>
+        <p:cNvPr id="1" name=""/>
+        <p:cNvGrpSpPr/>
+        <p:nvPr/>
+      </p:nvGrpSpPr>
+      <p:grpSpPr>
+        <a:xfrm>
+          <a:off x="0" y="0"/>
+          <a:ext cx="0" cy="0"/>
+          <a:chOff x="0" y="0"/>
+          <a:chExt cx="0" cy="0"/>
+        </a:xfrm>
+      </p:grpSpPr>
+      <p:sp>
+        <p:nvSpPr>
+          <p:cNvPr id="2" name="Title 1"/>
+          <p:cNvSpPr>
+            <a:spLocks noGrp="1"/>
+          </p:cNvSpPr>
+          <p:nvPr>
+            <p:ph type="title"/>
+          </p:nvPr>
+        </p:nvSpPr>
+        <p:spPr/>
+        <p:txBody>
+          <a:bodyPr/>
+          <a:lstStyle/>
+          <a:p>
+            <a:endParaRPr lang="en-US"/>
+          </a:p>
+        </p:txBody>
+      </p:sp>
+      <p:sp>
+        <p:nvSpPr>
+          <p:cNvPr id="3" name="Content Placeholder 2"/>
+          <p:cNvSpPr>
+            <a:spLocks noGrp="1"/>
+          </p:cNvSpPr>
+          <p:nvPr>
+            <p:ph idx="1"/>
+          </p:nvPr>
+        </p:nvSpPr>
+        <p:spPr/>
+        <p:txBody>
+          <a:bodyPr/>
+          <a:lstStyle/>
+          <a:p>
+            <a:endParaRPr lang="en-US"/>
+          </a:p>
+        </p:txBody>
+      </p:sp>
+    </p:spTree>
+    <p:extLst>
+      <p:ext uri="{BB962C8B-B14F-4D97-AF65-F5344CB8AC3E}">
+        <p14:creationId xmlns:p14="http://schemas.microsoft.com/office/powerpoint/2010/main" val="1028518306"/>
+      </p:ext>
+    </p:extLst>
+  </p:cSld>
+  <p:clrMapOvr>
+    <a:masterClrMapping/>
+  </p:clrMapOvr>
+</p:sld>
+</file>
+
+<file path=ppt/slides/slide4.xml><?xml version="1.0" encoding="utf-8"?>
+<p:sld xmlns:a="http://schemas.openxmlformats.org/drawingml/2006/main" xmlns:r="http://schemas.openxmlformats.org/officeDocument/2006/relationships" xmlns:p="http://schemas.openxmlformats.org/presentationml/2006/main">
+  <p:cSld>
+    <p:spTree>
+      <p:nvGrpSpPr>
+        <p:cNvPr id="1" name=""/>
+        <p:cNvGrpSpPr/>
+        <p:nvPr/>
+      </p:nvGrpSpPr>
+      <p:grpSpPr>
+        <a:xfrm>
+          <a:off x="0" y="0"/>
+          <a:ext cx="0" cy="0"/>
+          <a:chOff x="0" y="0"/>
+          <a:chExt cx="0" cy="0"/>
+        </a:xfrm>
+      </p:grpSpPr>
+      <p:sp>
+        <p:nvSpPr>
+          <p:cNvPr id="2" name="Title 1"/>
+          <p:cNvSpPr>
+            <a:spLocks noGrp="1"/>
+          </p:cNvSpPr>
+          <p:nvPr>
+            <p:ph type="title"/>
+          </p:nvPr>
+        </p:nvSpPr>
+        <p:spPr/>
+        <p:txBody>
+          <a:bodyPr/>
+          <a:lstStyle/>
+          <a:p>
+            <a:r>
+              <a:rPr lang="en-US" dirty="0" smtClean="0"/>
+              <a:t>Baseline: Global Mean	</a:t>
+            </a:r>
+            <a:r>
+              <a:rPr lang="en-US" dirty="0" err="1" smtClean="0"/>
+              <a:t>Qiyang</a:t>
+            </a:r>
+            <a:r>
+              <a:rPr lang="en-US" dirty="0" smtClean="0"/>
+              <a:t> Li</a:t>
+            </a:r>
+            <a:endParaRPr lang="en-US" dirty="0"/>
+          </a:p>
+        </p:txBody>
+      </p:sp>
+      <p:sp>
+        <p:nvSpPr>
+          <p:cNvPr id="3" name="Content Placeholder 2"/>
+          <p:cNvSpPr>
+            <a:spLocks noGrp="1"/>
+          </p:cNvSpPr>
+          <p:nvPr>
+            <p:ph idx="1"/>
+          </p:nvPr>
+        </p:nvSpPr>
+        <p:spPr>
+          <a:xfrm>
+            <a:off x="838200" y="1825624"/>
+            <a:ext cx="10515600" cy="4630931"/>
+          </a:xfrm>
+        </p:spPr>
+        <p:txBody>
+          <a:bodyPr>
+            <a:normAutofit/>
+          </a:bodyPr>
+          <a:lstStyle/>
+          <a:p>
+            <a:pPr marL="0" indent="0">
+              <a:buNone/>
+            </a:pPr>
+            <a:r>
+              <a:rPr lang="en-US" sz="1800" b="1" dirty="0" smtClean="0"/>
+              <a:t>KNN</a:t>
+            </a:r>
+            <a:r>
+              <a:rPr lang="en-US" sz="1800" b="1" dirty="0" smtClean="0"/>
+              <a:t>:</a:t>
+            </a:r>
+            <a:endParaRPr lang="en-US" sz="1800" b="1" dirty="0" smtClean="0"/>
+          </a:p>
+          <a:p>
+            <a:r>
+              <a:rPr lang="en-US" sz="1800" dirty="0" smtClean="0"/>
+              <a:t>Just use global mean to guess...</a:t>
+            </a:r>
+          </a:p>
+          <a:p>
+            <a:r>
+              <a:rPr lang="en-US" sz="1800" dirty="0" smtClean="0"/>
+              <a:t>test RMSE = 1.12</a:t>
+            </a:r>
+            <a:endParaRPr lang="en-US" sz="1800" dirty="0" smtClean="0"/>
+          </a:p>
+          <a:p>
+            <a:endParaRPr lang="en-US" sz="1800" dirty="0"/>
+          </a:p>
+        </p:txBody>
+      </p:sp>
+      <p:pic>
+        <p:nvPicPr>
+          <p:cNvPr id="4" name="Picture 3"/>
+          <p:cNvPicPr>
+            <a:picLocks noChangeAspect="1"/>
+          </p:cNvPicPr>
+          <p:nvPr/>
+        </p:nvPicPr>
+        <p:blipFill>
+          <a:blip r:embed="rId2"/>
+          <a:stretch>
+            <a:fillRect/>
+          </a:stretch>
+        </p:blipFill>
+        <p:spPr>
+          <a:xfrm>
+            <a:off x="9890906" y="84931"/>
+            <a:ext cx="1904729" cy="1885950"/>
+          </a:xfrm>
+          <a:prstGeom prst="rect">
+            <a:avLst/>
+          </a:prstGeom>
+        </p:spPr>
+      </p:pic>
+      <p:sp>
+        <p:nvSpPr>
+          <p:cNvPr id="5" name="TextBox 4"/>
+          <p:cNvSpPr txBox="1"/>
+          <p:nvPr/>
+        </p:nvSpPr>
+        <p:spPr>
+          <a:xfrm>
+            <a:off x="3534937" y="6311900"/>
+            <a:ext cx="4382429" cy="307777"/>
+          </a:xfrm>
+          <a:prstGeom prst="rect">
+            <a:avLst/>
+          </a:prstGeom>
+          <a:noFill/>
+        </p:spPr>
+        <p:txBody>
+          <a:bodyPr wrap="square" rtlCol="0">
+            <a:spAutoFit/>
+          </a:bodyPr>
+          <a:lstStyle/>
+          <a:p>
+            <a:pPr algn="ctr"/>
+            <a:r>
+              <a:rPr lang="en-US" sz="1400" dirty="0" smtClean="0">
+                <a:solidFill>
+                  <a:schemeClr val="bg2">
+                    <a:lumMod val="50000"/>
+                  </a:schemeClr>
+                </a:solidFill>
+              </a:rPr>
+              <a:t>Zining Wang, </a:t>
+            </a:r>
+            <a:r>
+              <a:rPr lang="en-US" sz="1400" dirty="0" err="1" smtClean="0">
+                <a:solidFill>
+                  <a:schemeClr val="bg2">
+                    <a:lumMod val="50000"/>
+                  </a:schemeClr>
+                </a:solidFill>
+              </a:rPr>
+              <a:t>Jiayu</a:t>
+            </a:r>
+            <a:r>
+              <a:rPr lang="en-US" sz="1400" dirty="0" smtClean="0">
+                <a:solidFill>
+                  <a:schemeClr val="bg2">
+                    <a:lumMod val="50000"/>
+                  </a:schemeClr>
+                </a:solidFill>
+              </a:rPr>
+              <a:t> Yao, </a:t>
+            </a:r>
+            <a:r>
+              <a:rPr lang="en-US" sz="1400" dirty="0" err="1" smtClean="0">
+                <a:solidFill>
+                  <a:schemeClr val="bg2">
+                    <a:lumMod val="50000"/>
+                  </a:schemeClr>
+                </a:solidFill>
+              </a:rPr>
+              <a:t>Qiyang</a:t>
+            </a:r>
+            <a:r>
+              <a:rPr lang="en-US" sz="1400" dirty="0" smtClean="0">
+                <a:solidFill>
+                  <a:schemeClr val="bg2">
+                    <a:lumMod val="50000"/>
+                  </a:schemeClr>
+                </a:solidFill>
+              </a:rPr>
+              <a:t> Li</a:t>
+            </a:r>
+            <a:endParaRPr lang="en-US" sz="1400" dirty="0">
+              <a:solidFill>
+                <a:schemeClr val="bg2">
+                  <a:lumMod val="50000"/>
+                </a:schemeClr>
+              </a:solidFill>
+            </a:endParaRPr>
+          </a:p>
+        </p:txBody>
+      </p:sp>
+    </p:spTree>
+    <p:extLst>
+      <p:ext uri="{BB962C8B-B14F-4D97-AF65-F5344CB8AC3E}">
+        <p14:creationId xmlns:p14="http://schemas.microsoft.com/office/powerpoint/2010/main" val="1071718536"/>
+      </p:ext>
+    </p:extLst>
+  </p:cSld>
+  <p:clrMapOvr>
+    <a:masterClrMapping/>
+  </p:clrMapOvr>
+  <p:timing>
+    <p:tnLst>
+      <p:par>
+        <p:cTn id="1" dur="indefinite" restart="never" nodeType="tmRoot"/>
+      </p:par>
+    </p:tnLst>
+  </p:timing>
+</p:sld>
+</file>
+
+<file path=ppt/slides/slide5.xml><?xml version="1.0" encoding="utf-8"?>
+<p:sld xmlns:a="http://schemas.openxmlformats.org/drawingml/2006/main" xmlns:r="http://schemas.openxmlformats.org/officeDocument/2006/relationships" xmlns:p="http://schemas.openxmlformats.org/presentationml/2006/main">
+  <p:cSld>
+    <p:spTree>
+      <p:nvGrpSpPr>
+        <p:cNvPr id="1" name=""/>
+        <p:cNvGrpSpPr/>
+        <p:nvPr/>
+      </p:nvGrpSpPr>
+      <p:grpSpPr>
+        <a:xfrm>
+          <a:off x="0" y="0"/>
+          <a:ext cx="0" cy="0"/>
+          <a:chOff x="0" y="0"/>
+          <a:chExt cx="0" cy="0"/>
+        </a:xfrm>
+      </p:grpSpPr>
+      <p:sp>
+        <p:nvSpPr>
+          <p:cNvPr id="2" name="Title 1"/>
+          <p:cNvSpPr>
+            <a:spLocks noGrp="1"/>
+          </p:cNvSpPr>
+          <p:nvPr>
+            <p:ph type="title"/>
+          </p:nvPr>
+        </p:nvSpPr>
+        <p:spPr/>
+        <p:txBody>
+          <a:bodyPr/>
+          <a:lstStyle/>
+          <a:p>
+            <a:r>
+              <a:rPr lang="en-US" dirty="0" smtClean="0"/>
+              <a:t>Baseline: KNN	</a:t>
+            </a:r>
+            <a:r>
+              <a:rPr lang="en-US" dirty="0" err="1" smtClean="0"/>
+              <a:t>Jiayu</a:t>
+            </a:r>
+            <a:r>
+              <a:rPr lang="en-US" dirty="0" smtClean="0"/>
+              <a:t> Yao</a:t>
+            </a:r>
+            <a:endParaRPr lang="en-US" dirty="0"/>
+          </a:p>
+        </p:txBody>
+      </p:sp>
+      <p:sp>
+        <p:nvSpPr>
+          <p:cNvPr id="3" name="Content Placeholder 2"/>
+          <p:cNvSpPr>
+            <a:spLocks noGrp="1"/>
+          </p:cNvSpPr>
+          <p:nvPr>
+            <p:ph idx="1"/>
+          </p:nvPr>
+        </p:nvSpPr>
+        <p:spPr>
+          <a:xfrm>
+            <a:off x="838200" y="1825624"/>
+            <a:ext cx="10515600" cy="4630931"/>
+          </a:xfrm>
+        </p:spPr>
+        <p:txBody>
+          <a:bodyPr>
+            <a:normAutofit/>
+          </a:bodyPr>
+          <a:lstStyle/>
+          <a:p>
+            <a:pPr marL="0" indent="0">
+              <a:buNone/>
+            </a:pPr>
+            <a:r>
+              <a:rPr lang="en-US" sz="1800" b="1" dirty="0" smtClean="0"/>
+              <a:t>KNN</a:t>
+            </a:r>
+            <a:r>
+              <a:rPr lang="en-US" sz="1800" b="1" dirty="0" smtClean="0"/>
+              <a:t>:</a:t>
+            </a:r>
+            <a:endParaRPr lang="en-US" sz="1800" b="1" dirty="0" smtClean="0"/>
+          </a:p>
+          <a:p>
+            <a:r>
+              <a:rPr lang="en-US" sz="1800" dirty="0" smtClean="0"/>
+              <a:t>k = 100</a:t>
+            </a:r>
+          </a:p>
+          <a:p>
+            <a:r>
+              <a:rPr lang="en-US" sz="1800" dirty="0" smtClean="0"/>
+              <a:t>test </a:t>
+            </a:r>
+            <a:r>
+              <a:rPr lang="en-US" sz="1800" smtClean="0"/>
+              <a:t>RMSE = 1.1177</a:t>
+            </a:r>
+            <a:endParaRPr lang="en-US" sz="1800" dirty="0" smtClean="0"/>
+          </a:p>
+          <a:p>
+            <a:endParaRPr lang="en-US" sz="1800" dirty="0"/>
+          </a:p>
+        </p:txBody>
+      </p:sp>
+      <p:pic>
+        <p:nvPicPr>
+          <p:cNvPr id="4" name="Picture 3"/>
+          <p:cNvPicPr>
+            <a:picLocks noChangeAspect="1"/>
+          </p:cNvPicPr>
+          <p:nvPr/>
+        </p:nvPicPr>
+        <p:blipFill>
+          <a:blip r:embed="rId2"/>
+          <a:stretch>
+            <a:fillRect/>
+          </a:stretch>
+        </p:blipFill>
+        <p:spPr>
+          <a:xfrm>
+            <a:off x="9890906" y="84931"/>
+            <a:ext cx="1904729" cy="1885950"/>
+          </a:xfrm>
+          <a:prstGeom prst="rect">
+            <a:avLst/>
+          </a:prstGeom>
+        </p:spPr>
+      </p:pic>
+      <p:sp>
+        <p:nvSpPr>
+          <p:cNvPr id="5" name="TextBox 4"/>
+          <p:cNvSpPr txBox="1"/>
+          <p:nvPr/>
+        </p:nvSpPr>
+        <p:spPr>
+          <a:xfrm>
+            <a:off x="3534937" y="6311900"/>
+            <a:ext cx="4382429" cy="307777"/>
+          </a:xfrm>
+          <a:prstGeom prst="rect">
+            <a:avLst/>
+          </a:prstGeom>
+          <a:noFill/>
+        </p:spPr>
+        <p:txBody>
+          <a:bodyPr wrap="square" rtlCol="0">
+            <a:spAutoFit/>
+          </a:bodyPr>
+          <a:lstStyle/>
+          <a:p>
+            <a:pPr algn="ctr"/>
+            <a:r>
+              <a:rPr lang="en-US" sz="1400" dirty="0" smtClean="0">
+                <a:solidFill>
+                  <a:schemeClr val="bg2">
+                    <a:lumMod val="50000"/>
+                  </a:schemeClr>
+                </a:solidFill>
+              </a:rPr>
+              <a:t>Zining Wang, </a:t>
+            </a:r>
+            <a:r>
+              <a:rPr lang="en-US" sz="1400" dirty="0" err="1" smtClean="0">
+                <a:solidFill>
+                  <a:schemeClr val="bg2">
+                    <a:lumMod val="50000"/>
+                  </a:schemeClr>
+                </a:solidFill>
+              </a:rPr>
+              <a:t>Jiayu</a:t>
+            </a:r>
+            <a:r>
+              <a:rPr lang="en-US" sz="1400" dirty="0" smtClean="0">
+                <a:solidFill>
+                  <a:schemeClr val="bg2">
+                    <a:lumMod val="50000"/>
+                  </a:schemeClr>
+                </a:solidFill>
+              </a:rPr>
+              <a:t> Yao, </a:t>
+            </a:r>
+            <a:r>
+              <a:rPr lang="en-US" sz="1400" dirty="0" err="1" smtClean="0">
+                <a:solidFill>
+                  <a:schemeClr val="bg2">
+                    <a:lumMod val="50000"/>
+                  </a:schemeClr>
+                </a:solidFill>
+              </a:rPr>
+              <a:t>Qiyang</a:t>
+            </a:r>
+            <a:r>
+              <a:rPr lang="en-US" sz="1400" dirty="0" smtClean="0">
+                <a:solidFill>
+                  <a:schemeClr val="bg2">
+                    <a:lumMod val="50000"/>
+                  </a:schemeClr>
+                </a:solidFill>
+              </a:rPr>
+              <a:t> Li</a:t>
+            </a:r>
+            <a:endParaRPr lang="en-US" sz="1400" dirty="0">
+              <a:solidFill>
+                <a:schemeClr val="bg2">
+                  <a:lumMod val="50000"/>
+                </a:schemeClr>
+              </a:solidFill>
+            </a:endParaRPr>
+          </a:p>
+        </p:txBody>
+      </p:sp>
+    </p:spTree>
+    <p:extLst>
+      <p:ext uri="{BB962C8B-B14F-4D97-AF65-F5344CB8AC3E}">
+        <p14:creationId xmlns:p14="http://schemas.microsoft.com/office/powerpoint/2010/main" val="1211294239"/>
+      </p:ext>
+    </p:extLst>
+  </p:cSld>
+  <p:clrMapOvr>
+    <a:masterClrMapping/>
+  </p:clrMapOvr>
+  <p:timing>
+    <p:tnLst>
+      <p:par>
+        <p:cTn id="1" dur="indefinite" restart="never" nodeType="tmRoot"/>
+      </p:par>
+    </p:tnLst>
+  </p:timing>
+</p:sld>
+</file>
+
+<file path=ppt/slides/slide6.xml><?xml version="1.0" encoding="utf-8"?>
 <p:sld xmlns:a="http://schemas.openxmlformats.org/drawingml/2006/main" xmlns:r="http://schemas.openxmlformats.org/officeDocument/2006/relationships" xmlns:p="http://schemas.openxmlformats.org/presentationml/2006/main">
   <p:cSld>
     <p:spTree>
